--- a/M9_Summary/M7_Best_Practices.pptx
+++ b/M9_Summary/M7_Best_Practices.pptx
@@ -2,7 +2,7 @@
 <file path=ppt/presentation.xml><?xml version="1.0" encoding="utf-8"?>
 <p:presentation xmlns:a="http://schemas.openxmlformats.org/drawingml/2006/main" xmlns:r="http://schemas.openxmlformats.org/officeDocument/2006/relationships" xmlns:p="http://schemas.openxmlformats.org/presentationml/2006/main" saveSubsetFonts="1">
   <p:sldMasterIdLst>
-    <p:sldMasterId id="2147483648" r:id="rId1"/>
+    <p:sldMasterId id="2147483656" r:id="rId1"/>
   </p:sldMasterIdLst>
   <p:notesMasterIdLst>
     <p:notesMasterId r:id="rId4"/>
@@ -198,7 +198,7 @@
           <a:p>
             <a:fld id="{FF40CFF0-3E11-4AF6-9747-7919C58FBC48}" type="datetimeFigureOut">
               <a:rPr lang="en-US" smtClean="0"/>
-              <a:t>1/4/2024</a:t>
+              <a:t>1/9/24</a:t>
             </a:fld>
             <a:endParaRPr lang="en-US"/>
           </a:p>
@@ -616,9 +616,10 @@
           </a:lstStyle>
           <a:p>
             <a:r>
-              <a:rPr lang="en-US" dirty="0"/>
+              <a:rPr lang="en-US"/>
               <a:t>Click to edit Master title style</a:t>
             </a:r>
+            <a:endParaRPr lang="en-US" dirty="0"/>
           </a:p>
         </p:txBody>
       </p:sp>
@@ -690,9 +691,10 @@
           </a:lstStyle>
           <a:p>
             <a:r>
-              <a:rPr lang="en-US" dirty="0"/>
+              <a:rPr lang="en-US"/>
               <a:t>Click to edit Master subtitle style</a:t>
             </a:r>
+            <a:endParaRPr lang="en-US" dirty="0"/>
           </a:p>
         </p:txBody>
       </p:sp>
@@ -719,7 +721,7 @@
           <a:p>
             <a:fld id="{9F69634C-F75C-45F7-A87A-C5E2AF3ECA41}" type="datetimeFigureOut">
               <a:rPr lang="en-US" smtClean="0"/>
-              <a:t>1/4/2024</a:t>
+              <a:t>1/9/24</a:t>
             </a:fld>
             <a:endParaRPr lang="en-US"/>
           </a:p>
@@ -787,7 +789,7 @@
     </p:spTree>
     <p:extLst>
       <p:ext uri="{BB962C8B-B14F-4D97-AF65-F5344CB8AC3E}">
-        <p14:creationId xmlns:p14="http://schemas.microsoft.com/office/powerpoint/2010/main" val="3854820101"/>
+        <p14:creationId xmlns:p14="http://schemas.microsoft.com/office/powerpoint/2010/main" val="3992455077"/>
       </p:ext>
     </p:extLst>
   </p:cSld>
@@ -854,9 +856,10 @@
           </a:lstStyle>
           <a:p>
             <a:r>
-              <a:rPr lang="en-US" dirty="0"/>
+              <a:rPr lang="en-US"/>
               <a:t>Click to edit Master title style</a:t>
             </a:r>
+            <a:endParaRPr lang="en-US" dirty="0"/>
           </a:p>
         </p:txBody>
       </p:sp>
@@ -883,7 +886,7 @@
           <a:p>
             <a:fld id="{9F69634C-F75C-45F7-A87A-C5E2AF3ECA41}" type="datetimeFigureOut">
               <a:rPr lang="en-US" smtClean="0"/>
-              <a:t>1/4/2024</a:t>
+              <a:t>1/9/24</a:t>
             </a:fld>
             <a:endParaRPr lang="en-US"/>
           </a:p>
@@ -951,7 +954,7 @@
     </p:spTree>
     <p:extLst>
       <p:ext uri="{BB962C8B-B14F-4D97-AF65-F5344CB8AC3E}">
-        <p14:creationId xmlns:p14="http://schemas.microsoft.com/office/powerpoint/2010/main" val="951555058"/>
+        <p14:creationId xmlns:p14="http://schemas.microsoft.com/office/powerpoint/2010/main" val="2025432002"/>
       </p:ext>
     </p:extLst>
   </p:cSld>
@@ -1086,7 +1089,7 @@
           <a:p>
             <a:fld id="{9F69634C-F75C-45F7-A87A-C5E2AF3ECA41}" type="datetimeFigureOut">
               <a:rPr lang="en-US" smtClean="0"/>
-              <a:t>1/4/2024</a:t>
+              <a:t>1/9/24</a:t>
             </a:fld>
             <a:endParaRPr lang="en-US"/>
           </a:p>
@@ -1149,7 +1152,7 @@
     </p:spTree>
     <p:extLst>
       <p:ext uri="{BB962C8B-B14F-4D97-AF65-F5344CB8AC3E}">
-        <p14:creationId xmlns:p14="http://schemas.microsoft.com/office/powerpoint/2010/main" val="4144178324"/>
+        <p14:creationId xmlns:p14="http://schemas.microsoft.com/office/powerpoint/2010/main" val="3394986818"/>
       </p:ext>
     </p:extLst>
   </p:cSld>
@@ -1351,7 +1354,7 @@
           <a:p>
             <a:fld id="{9F69634C-F75C-45F7-A87A-C5E2AF3ECA41}" type="datetimeFigureOut">
               <a:rPr lang="en-US" smtClean="0"/>
-              <a:t>1/4/2024</a:t>
+              <a:t>1/9/24</a:t>
             </a:fld>
             <a:endParaRPr lang="en-US"/>
           </a:p>
@@ -1414,7 +1417,7 @@
     </p:spTree>
     <p:extLst>
       <p:ext uri="{BB962C8B-B14F-4D97-AF65-F5344CB8AC3E}">
-        <p14:creationId xmlns:p14="http://schemas.microsoft.com/office/powerpoint/2010/main" val="1901060785"/>
+        <p14:creationId xmlns:p14="http://schemas.microsoft.com/office/powerpoint/2010/main" val="3667073382"/>
       </p:ext>
     </p:extLst>
   </p:cSld>
@@ -1464,7 +1467,7 @@
           <a:p>
             <a:fld id="{9F69634C-F75C-45F7-A87A-C5E2AF3ECA41}" type="datetimeFigureOut">
               <a:rPr lang="en-US" smtClean="0"/>
-              <a:t>1/4/2024</a:t>
+              <a:t>1/9/24</a:t>
             </a:fld>
             <a:endParaRPr lang="en-US"/>
           </a:p>
@@ -1527,7 +1530,7 @@
     </p:spTree>
     <p:extLst>
       <p:ext uri="{BB962C8B-B14F-4D97-AF65-F5344CB8AC3E}">
-        <p14:creationId xmlns:p14="http://schemas.microsoft.com/office/powerpoint/2010/main" val="1272395690"/>
+        <p14:creationId xmlns:p14="http://schemas.microsoft.com/office/powerpoint/2010/main" val="863924344"/>
       </p:ext>
     </p:extLst>
   </p:cSld>
@@ -1661,6 +1664,7 @@
               <a:rPr lang="en-US"/>
               <a:t>Fifth level</a:t>
             </a:r>
+            <a:endParaRPr lang="en-US" dirty="0"/>
           </a:p>
         </p:txBody>
       </p:sp>
@@ -1705,7 +1709,7 @@
           <a:p>
             <a:fld id="{9F69634C-F75C-45F7-A87A-C5E2AF3ECA41}" type="datetimeFigureOut">
               <a:rPr lang="en-US" smtClean="0"/>
-              <a:t>1/4/2024</a:t>
+              <a:t>1/9/24</a:t>
             </a:fld>
             <a:endParaRPr lang="en-US"/>
           </a:p>
@@ -1801,327 +1805,405 @@
           </a:p>
         </p:txBody>
       </p:sp>
+      <p:pic>
+        <p:nvPicPr>
+          <p:cNvPr id="12" name="Picture 4">
+            <a:extLst>
+              <a:ext uri="{FF2B5EF4-FFF2-40B4-BE49-F238E27FC236}">
+                <a16:creationId xmlns:a16="http://schemas.microsoft.com/office/drawing/2014/main" id="{D057B878-12E1-E213-DD5D-E8C3B95DEE30}"/>
+              </a:ext>
+            </a:extLst>
+          </p:cNvPr>
+          <p:cNvPicPr>
+            <a:picLocks noChangeAspect="1" noChangeArrowheads="1"/>
+          </p:cNvPicPr>
+          <p:nvPr/>
+        </p:nvPicPr>
+        <p:blipFill rotWithShape="1">
+          <a:blip r:embed="rId7">
+            <a:extLst>
+              <a:ext uri="{28A0092B-C50C-407E-A947-70E740481C1C}">
+                <a14:useLocalDpi xmlns:a14="http://schemas.microsoft.com/office/drawing/2010/main" val="0"/>
+              </a:ext>
+            </a:extLst>
+          </a:blip>
+          <a:srcRect r="92190"/>
+          <a:stretch/>
+        </p:blipFill>
+        <p:spPr bwMode="auto">
+          <a:xfrm>
+            <a:off x="11657405" y="6405597"/>
+            <a:ext cx="440780" cy="369373"/>
+          </a:xfrm>
+          <a:prstGeom prst="rect">
+            <a:avLst/>
+          </a:prstGeom>
+          <a:solidFill>
+            <a:schemeClr val="bg1"/>
+          </a:solidFill>
+        </p:spPr>
+      </p:pic>
+      <p:sp>
+        <p:nvSpPr>
+          <p:cNvPr id="10" name="Rectangle 9">
+            <a:extLst>
+              <a:ext uri="{FF2B5EF4-FFF2-40B4-BE49-F238E27FC236}">
+                <a16:creationId xmlns:a16="http://schemas.microsoft.com/office/drawing/2014/main" id="{96165629-9282-59A2-3252-22C976A32FCB}"/>
+              </a:ext>
+            </a:extLst>
+          </p:cNvPr>
+          <p:cNvSpPr/>
+          <p:nvPr/>
+        </p:nvSpPr>
+        <p:spPr>
+          <a:xfrm>
+            <a:off x="10327568" y="6413419"/>
+            <a:ext cx="162346" cy="369035"/>
+          </a:xfrm>
+          <a:prstGeom prst="rect">
+            <a:avLst/>
+          </a:prstGeom>
+          <a:solidFill>
+            <a:schemeClr val="bg1"/>
+          </a:solidFill>
+          <a:ln>
+            <a:noFill/>
+          </a:ln>
+        </p:spPr>
+        <p:style>
+          <a:lnRef idx="2">
+            <a:schemeClr val="accent1">
+              <a:shade val="15000"/>
+            </a:schemeClr>
+          </a:lnRef>
+          <a:fillRef idx="1">
+            <a:schemeClr val="accent1"/>
+          </a:fillRef>
+          <a:effectRef idx="0">
+            <a:schemeClr val="accent1"/>
+          </a:effectRef>
+          <a:fontRef idx="minor">
+            <a:schemeClr val="lt1"/>
+          </a:fontRef>
+        </p:style>
+        <p:txBody>
+          <a:bodyPr rtlCol="0" anchor="ctr"/>
+          <a:lstStyle/>
+          <a:p>
+            <a:pPr algn="ctr"/>
+            <a:endParaRPr lang="en-US" dirty="0"/>
+          </a:p>
+        </p:txBody>
+      </p:sp>
+      <p:pic>
+        <p:nvPicPr>
+          <p:cNvPr id="11" name="Picture 6">
+            <a:extLst>
+              <a:ext uri="{FF2B5EF4-FFF2-40B4-BE49-F238E27FC236}">
+                <a16:creationId xmlns:a16="http://schemas.microsoft.com/office/drawing/2014/main" id="{BDB1A56D-B0BB-83FA-A9E4-F4640EAC0465}"/>
+              </a:ext>
+            </a:extLst>
+          </p:cNvPr>
+          <p:cNvPicPr>
+            <a:picLocks noChangeAspect="1" noChangeArrowheads="1"/>
+          </p:cNvPicPr>
+          <p:nvPr/>
+        </p:nvPicPr>
+        <p:blipFill>
+          <a:blip r:embed="rId8">
+            <a:extLst>
+              <a:ext uri="{28A0092B-C50C-407E-A947-70E740481C1C}">
+                <a14:useLocalDpi xmlns:a14="http://schemas.microsoft.com/office/drawing/2010/main" val="0"/>
+              </a:ext>
+            </a:extLst>
+          </a:blip>
+          <a:srcRect/>
+          <a:stretch>
+            <a:fillRect/>
+          </a:stretch>
+        </p:blipFill>
+        <p:spPr bwMode="auto">
+          <a:xfrm>
+            <a:off x="10095781" y="6356350"/>
+            <a:ext cx="398897" cy="474984"/>
+          </a:xfrm>
+          <a:prstGeom prst="rect">
+            <a:avLst/>
+          </a:prstGeom>
+          <a:noFill/>
+          <a:extLst>
+            <a:ext uri="{909E8E84-426E-40DD-AFC4-6F175D3DCCD1}">
+              <a14:hiddenFill xmlns:a14="http://schemas.microsoft.com/office/drawing/2010/main">
+                <a:solidFill>
+                  <a:srgbClr val="FFFFFF"/>
+                </a:solidFill>
+              </a14:hiddenFill>
+            </a:ext>
+          </a:extLst>
+        </p:spPr>
+      </p:pic>
       <p:grpSp>
         <p:nvGrpSpPr>
-          <p:cNvPr id="7" name="Group 6">
-            <a:extLst>
-              <a:ext uri="{FF2B5EF4-FFF2-40B4-BE49-F238E27FC236}">
-                <a16:creationId xmlns:a16="http://schemas.microsoft.com/office/drawing/2014/main" id="{3880AF11-16A2-55D9-35F9-3011E625EF70}"/>
+          <p:cNvPr id="21" name="Group 20">
+            <a:extLst>
+              <a:ext uri="{FF2B5EF4-FFF2-40B4-BE49-F238E27FC236}">
+                <a16:creationId xmlns:a16="http://schemas.microsoft.com/office/drawing/2014/main" id="{AE6847B1-0652-4F82-C0D7-6BB9058EF211}"/>
               </a:ext>
             </a:extLst>
           </p:cNvPr>
           <p:cNvGrpSpPr/>
-          <p:nvPr userDrawn="1"/>
+          <p:nvPr/>
         </p:nvGrpSpPr>
         <p:grpSpPr>
           <a:xfrm>
-            <a:off x="9894613" y="6356350"/>
-            <a:ext cx="2184040" cy="474984"/>
-            <a:chOff x="6968939" y="4628992"/>
-            <a:chExt cx="2184040" cy="474984"/>
+            <a:off x="10421120" y="6361244"/>
+            <a:ext cx="1358031" cy="470621"/>
+            <a:chOff x="10250948" y="6361244"/>
+            <a:chExt cx="1358031" cy="470621"/>
           </a:xfrm>
         </p:grpSpPr>
-        <p:grpSp>
-          <p:nvGrpSpPr>
-            <p:cNvPr id="8" name="Group 7">
+        <p:sp>
+          <p:nvSpPr>
+            <p:cNvPr id="15" name="TextBox 14">
               <a:extLst>
                 <a:ext uri="{FF2B5EF4-FFF2-40B4-BE49-F238E27FC236}">
-                  <a16:creationId xmlns:a16="http://schemas.microsoft.com/office/drawing/2014/main" id="{84C8740E-3DF3-283B-1B9D-2CB3D9C4471B}"/>
+                  <a16:creationId xmlns:a16="http://schemas.microsoft.com/office/drawing/2014/main" id="{8E43C571-9C77-A5A7-27CB-DF2E8AB20A94}"/>
                 </a:ext>
               </a:extLst>
             </p:cNvPr>
-            <p:cNvGrpSpPr/>
-            <p:nvPr/>
-          </p:nvGrpSpPr>
-          <p:grpSpPr>
-            <a:xfrm>
-              <a:off x="7355930" y="4685723"/>
-              <a:ext cx="1797049" cy="369373"/>
-              <a:chOff x="7200939" y="4475698"/>
-              <a:chExt cx="2356037" cy="553721"/>
-            </a:xfrm>
-          </p:grpSpPr>
-          <p:pic>
-            <p:nvPicPr>
-              <p:cNvPr id="12" name="Picture 4">
-                <a:extLst>
-                  <a:ext uri="{FF2B5EF4-FFF2-40B4-BE49-F238E27FC236}">
-                    <a16:creationId xmlns:a16="http://schemas.microsoft.com/office/drawing/2014/main" id="{D057B878-12E1-E213-DD5D-E8C3B95DEE30}"/>
-                  </a:ext>
-                </a:extLst>
-              </p:cNvPr>
-              <p:cNvPicPr>
-                <a:picLocks noChangeAspect="1" noChangeArrowheads="1"/>
-              </p:cNvPicPr>
-              <p:nvPr/>
-            </p:nvPicPr>
-            <p:blipFill rotWithShape="1">
-              <a:blip r:embed="rId7">
-                <a:extLst>
-                  <a:ext uri="{28A0092B-C50C-407E-A947-70E740481C1C}">
-                    <a14:useLocalDpi xmlns:a14="http://schemas.microsoft.com/office/drawing/2010/main" val="0"/>
-                  </a:ext>
-                </a:extLst>
-              </a:blip>
-              <a:srcRect r="92190"/>
-              <a:stretch/>
-            </p:blipFill>
-            <p:spPr bwMode="auto">
-              <a:xfrm>
-                <a:off x="8979087" y="4475698"/>
-                <a:ext cx="577889" cy="553721"/>
-              </a:xfrm>
-              <a:prstGeom prst="rect">
-                <a:avLst/>
-              </a:prstGeom>
-              <a:solidFill>
-                <a:schemeClr val="bg1"/>
-              </a:solidFill>
-            </p:spPr>
-          </p:pic>
-          <p:pic>
-            <p:nvPicPr>
-              <p:cNvPr id="13" name="Picture 4">
-                <a:extLst>
-                  <a:ext uri="{FF2B5EF4-FFF2-40B4-BE49-F238E27FC236}">
-                    <a16:creationId xmlns:a16="http://schemas.microsoft.com/office/drawing/2014/main" id="{2B54BAA7-B091-625A-15EF-81A9D3492307}"/>
-                  </a:ext>
-                </a:extLst>
-              </p:cNvPr>
-              <p:cNvPicPr>
-                <a:picLocks noChangeAspect="1" noChangeArrowheads="1"/>
-              </p:cNvPicPr>
-              <p:nvPr/>
-            </p:nvPicPr>
-            <p:blipFill rotWithShape="1">
-              <a:blip r:embed="rId7">
-                <a:extLst>
-                  <a:ext uri="{28A0092B-C50C-407E-A947-70E740481C1C}">
-                    <a14:useLocalDpi xmlns:a14="http://schemas.microsoft.com/office/drawing/2010/main" val="0"/>
-                  </a:ext>
-                </a:extLst>
-              </a:blip>
-              <a:srcRect l="8050" r="48505"/>
-              <a:stretch/>
-            </p:blipFill>
-            <p:spPr bwMode="auto">
-              <a:xfrm>
-                <a:off x="7200940" y="4477604"/>
-                <a:ext cx="1592647" cy="274320"/>
-              </a:xfrm>
-              <a:prstGeom prst="rect">
-                <a:avLst/>
-              </a:prstGeom>
-              <a:solidFill>
-                <a:schemeClr val="bg1"/>
-              </a:solidFill>
-            </p:spPr>
-          </p:pic>
-          <p:pic>
-            <p:nvPicPr>
-              <p:cNvPr id="14" name="Picture 4">
-                <a:extLst>
-                  <a:ext uri="{FF2B5EF4-FFF2-40B4-BE49-F238E27FC236}">
-                    <a16:creationId xmlns:a16="http://schemas.microsoft.com/office/drawing/2014/main" id="{87022AEC-3D98-9BE2-CB82-643603D2DD9B}"/>
-                  </a:ext>
-                </a:extLst>
-              </p:cNvPr>
-              <p:cNvPicPr>
-                <a:picLocks noChangeAspect="1" noChangeArrowheads="1"/>
-              </p:cNvPicPr>
-              <p:nvPr/>
-            </p:nvPicPr>
-            <p:blipFill rotWithShape="1">
-              <a:blip r:embed="rId7">
-                <a:extLst>
-                  <a:ext uri="{28A0092B-C50C-407E-A947-70E740481C1C}">
-                    <a14:useLocalDpi xmlns:a14="http://schemas.microsoft.com/office/drawing/2010/main" val="0"/>
-                  </a:ext>
-                </a:extLst>
-              </a:blip>
-              <a:srcRect l="51495"/>
-              <a:stretch/>
-            </p:blipFill>
-            <p:spPr bwMode="auto">
-              <a:xfrm>
-                <a:off x="7200939" y="4755099"/>
-                <a:ext cx="1778149" cy="274320"/>
-              </a:xfrm>
-              <a:prstGeom prst="rect">
-                <a:avLst/>
-              </a:prstGeom>
-              <a:solidFill>
-                <a:schemeClr val="bg1"/>
-              </a:solidFill>
-            </p:spPr>
-          </p:pic>
-        </p:grpSp>
-        <p:sp>
-          <p:nvSpPr>
-            <p:cNvPr id="9" name="Rectangle 8">
-              <a:extLst>
-                <a:ext uri="{FF2B5EF4-FFF2-40B4-BE49-F238E27FC236}">
-                  <a16:creationId xmlns:a16="http://schemas.microsoft.com/office/drawing/2014/main" id="{71DD8890-BC8E-533E-DA38-99A724B6EC7B}"/>
-                </a:ext>
-              </a:extLst>
-            </p:cNvPr>
-            <p:cNvSpPr/>
-            <p:nvPr/>
+            <p:cNvSpPr txBox="1"/>
+            <p:nvPr userDrawn="1"/>
           </p:nvSpPr>
           <p:spPr>
             <a:xfrm>
-              <a:off x="8562554" y="4686061"/>
-              <a:ext cx="162346" cy="209789"/>
+              <a:off x="10288746" y="6401527"/>
+              <a:ext cx="1320233" cy="427618"/>
             </a:xfrm>
             <a:prstGeom prst="rect">
               <a:avLst/>
             </a:prstGeom>
-            <a:solidFill>
-              <a:schemeClr val="bg1"/>
-            </a:solidFill>
-            <a:ln>
-              <a:noFill/>
-            </a:ln>
+            <a:noFill/>
           </p:spPr>
-          <p:style>
-            <a:lnRef idx="2">
-              <a:schemeClr val="accent1">
-                <a:shade val="15000"/>
-              </a:schemeClr>
-            </a:lnRef>
-            <a:fillRef idx="1">
-              <a:schemeClr val="accent1"/>
-            </a:fillRef>
-            <a:effectRef idx="0">
-              <a:schemeClr val="accent1"/>
-            </a:effectRef>
-            <a:fontRef idx="minor">
-              <a:schemeClr val="lt1"/>
-            </a:fontRef>
-          </p:style>
           <p:txBody>
-            <a:bodyPr rtlCol="0" anchor="ctr"/>
+            <a:bodyPr wrap="none" rtlCol="0">
+              <a:spAutoFit/>
+            </a:bodyPr>
             <a:lstStyle/>
             <a:p>
-              <a:pPr algn="ctr"/>
-              <a:endParaRPr lang="en-US" dirty="0"/>
+              <a:pPr>
+                <a:lnSpc>
+                  <a:spcPts val="1280"/>
+                </a:lnSpc>
+              </a:pPr>
+              <a:r>
+                <a:rPr lang="en-US" sz="1400" spc="-50" baseline="0" dirty="0">
+                  <a:latin typeface="Arial Unicode MS" panose="020B0604020202020204" pitchFamily="34" charset="-128"/>
+                  <a:ea typeface="Arial Unicode MS" panose="020B0604020202020204" pitchFamily="34" charset="-128"/>
+                  <a:cs typeface="Arial Unicode MS" panose="020B0604020202020204" pitchFamily="34" charset="-128"/>
+                </a:rPr>
+                <a:t>  </a:t>
+              </a:r>
+              <a:r>
+                <a:rPr lang="en-US" sz="1200" spc="-100" baseline="0" dirty="0">
+                  <a:latin typeface="Arial Unicode MS" panose="020B0604020202020204" pitchFamily="34" charset="-128"/>
+                  <a:ea typeface="Arial Unicode MS" panose="020B0604020202020204" pitchFamily="34" charset="-128"/>
+                  <a:cs typeface="Arial Unicode MS" panose="020B0604020202020204" pitchFamily="34" charset="-128"/>
+                </a:rPr>
+                <a:t>ATA</a:t>
+              </a:r>
+              <a:r>
+                <a:rPr lang="en-US" sz="1200" spc="-50" baseline="0" dirty="0">
+                  <a:latin typeface="Arial Unicode MS" panose="020B0604020202020204" pitchFamily="34" charset="-128"/>
+                  <a:ea typeface="Arial Unicode MS" panose="020B0604020202020204" pitchFamily="34" charset="-128"/>
+                  <a:cs typeface="Arial Unicode MS" panose="020B0604020202020204" pitchFamily="34" charset="-128"/>
+                </a:rPr>
+                <a:t> </a:t>
+              </a:r>
+              <a:r>
+                <a:rPr lang="en-US" sz="1400" spc="-50" baseline="0" dirty="0">
+                  <a:latin typeface="Arial Unicode MS" panose="020B0604020202020204" pitchFamily="34" charset="-128"/>
+                  <a:ea typeface="Arial Unicode MS" panose="020B0604020202020204" pitchFamily="34" charset="-128"/>
+                  <a:cs typeface="Arial Unicode MS" panose="020B0604020202020204" pitchFamily="34" charset="-128"/>
+                </a:rPr>
+                <a:t>   </a:t>
+              </a:r>
+              <a:r>
+                <a:rPr lang="en-US" sz="1200" spc="-20" baseline="0" dirty="0">
+                  <a:latin typeface="Arial Unicode MS" panose="020B0604020202020204" pitchFamily="34" charset="-128"/>
+                  <a:ea typeface="Arial Unicode MS" panose="020B0604020202020204" pitchFamily="34" charset="-128"/>
+                  <a:cs typeface="Arial Unicode MS" panose="020B0604020202020204" pitchFamily="34" charset="-128"/>
+                </a:rPr>
+                <a:t>CIENCE</a:t>
+              </a:r>
+              <a:r>
+                <a:rPr lang="en-US" sz="1200" spc="-50" baseline="0" dirty="0">
+                  <a:latin typeface="Arial Unicode MS" panose="020B0604020202020204" pitchFamily="34" charset="-128"/>
+                  <a:ea typeface="Arial Unicode MS" panose="020B0604020202020204" pitchFamily="34" charset="-128"/>
+                  <a:cs typeface="Arial Unicode MS" panose="020B0604020202020204" pitchFamily="34" charset="-128"/>
+                </a:rPr>
+                <a:t> </a:t>
+              </a:r>
+            </a:p>
+            <a:p>
+              <a:pPr>
+                <a:lnSpc>
+                  <a:spcPts val="1280"/>
+                </a:lnSpc>
+              </a:pPr>
+              <a:r>
+                <a:rPr lang="en-US" sz="1400" spc="-50" baseline="0" dirty="0">
+                  <a:latin typeface="Arial Unicode MS" panose="020B0604020202020204" pitchFamily="34" charset="-128"/>
+                  <a:ea typeface="Arial Unicode MS" panose="020B0604020202020204" pitchFamily="34" charset="-128"/>
+                  <a:cs typeface="Arial Unicode MS" panose="020B0604020202020204" pitchFamily="34" charset="-128"/>
+                </a:rPr>
+                <a:t>  </a:t>
+              </a:r>
+              <a:r>
+                <a:rPr lang="en-US" sz="1200" spc="-10" baseline="0" dirty="0">
+                  <a:latin typeface="Arial Unicode MS" panose="020B0604020202020204" pitchFamily="34" charset="-128"/>
+                  <a:ea typeface="Arial Unicode MS" panose="020B0604020202020204" pitchFamily="34" charset="-128"/>
+                  <a:cs typeface="Arial Unicode MS" panose="020B0604020202020204" pitchFamily="34" charset="-128"/>
+                </a:rPr>
+                <a:t>CADEMY</a:t>
+              </a:r>
             </a:p>
           </p:txBody>
         </p:sp>
         <p:sp>
           <p:nvSpPr>
-            <p:cNvPr id="10" name="Rectangle 9">
+            <p:cNvPr id="18" name="TextBox 17">
               <a:extLst>
                 <a:ext uri="{FF2B5EF4-FFF2-40B4-BE49-F238E27FC236}">
-                  <a16:creationId xmlns:a16="http://schemas.microsoft.com/office/drawing/2014/main" id="{96165629-9282-59A2-3252-22C976A32FCB}"/>
+                  <a16:creationId xmlns:a16="http://schemas.microsoft.com/office/drawing/2014/main" id="{0A9B7E82-3AE1-1ED0-9C75-D904117A350C}"/>
                 </a:ext>
               </a:extLst>
             </p:cNvPr>
-            <p:cNvSpPr/>
-            <p:nvPr/>
+            <p:cNvSpPr txBox="1"/>
+            <p:nvPr userDrawn="1"/>
           </p:nvSpPr>
           <p:spPr>
             <a:xfrm>
-              <a:off x="7200726" y="4686061"/>
-              <a:ext cx="162346" cy="369035"/>
-            </a:xfrm>
-            <a:prstGeom prst="rect">
-              <a:avLst/>
-            </a:prstGeom>
-            <a:solidFill>
-              <a:schemeClr val="bg1"/>
-            </a:solidFill>
-            <a:ln>
-              <a:noFill/>
-            </a:ln>
-          </p:spPr>
-          <p:style>
-            <a:lnRef idx="2">
-              <a:schemeClr val="accent1">
-                <a:shade val="15000"/>
-              </a:schemeClr>
-            </a:lnRef>
-            <a:fillRef idx="1">
-              <a:schemeClr val="accent1"/>
-            </a:fillRef>
-            <a:effectRef idx="0">
-              <a:schemeClr val="accent1"/>
-            </a:effectRef>
-            <a:fontRef idx="minor">
-              <a:schemeClr val="lt1"/>
-            </a:fontRef>
-          </p:style>
-          <p:txBody>
-            <a:bodyPr rtlCol="0" anchor="ctr"/>
-            <a:lstStyle/>
-            <a:p>
-              <a:pPr algn="ctr"/>
-              <a:endParaRPr lang="en-US" dirty="0"/>
-            </a:p>
-          </p:txBody>
-        </p:sp>
-        <p:pic>
-          <p:nvPicPr>
-            <p:cNvPr id="11" name="Picture 6">
-              <a:extLst>
-                <a:ext uri="{FF2B5EF4-FFF2-40B4-BE49-F238E27FC236}">
-                  <a16:creationId xmlns:a16="http://schemas.microsoft.com/office/drawing/2014/main" id="{BDB1A56D-B0BB-83FA-A9E4-F4640EAC0465}"/>
-                </a:ext>
-              </a:extLst>
-            </p:cNvPr>
-            <p:cNvPicPr>
-              <a:picLocks noChangeAspect="1" noChangeArrowheads="1"/>
-            </p:cNvPicPr>
-            <p:nvPr/>
-          </p:nvPicPr>
-          <p:blipFill>
-            <a:blip r:embed="rId8">
-              <a:extLst>
-                <a:ext uri="{28A0092B-C50C-407E-A947-70E740481C1C}">
-                  <a14:useLocalDpi xmlns:a14="http://schemas.microsoft.com/office/drawing/2010/main" val="0"/>
-                </a:ext>
-              </a:extLst>
-            </a:blip>
-            <a:srcRect/>
-            <a:stretch>
-              <a:fillRect/>
-            </a:stretch>
-          </p:blipFill>
-          <p:spPr bwMode="auto">
-            <a:xfrm>
-              <a:off x="6968939" y="4628992"/>
-              <a:ext cx="398897" cy="474984"/>
+              <a:off x="10250948" y="6365476"/>
+              <a:ext cx="247116" cy="307777"/>
             </a:xfrm>
             <a:prstGeom prst="rect">
               <a:avLst/>
             </a:prstGeom>
             <a:noFill/>
-            <a:extLst>
-              <a:ext uri="{909E8E84-426E-40DD-AFC4-6F175D3DCCD1}">
-                <a14:hiddenFill xmlns:a14="http://schemas.microsoft.com/office/drawing/2010/main">
-                  <a:solidFill>
-                    <a:srgbClr val="FFFFFF"/>
-                  </a:solidFill>
-                </a14:hiddenFill>
-              </a:ext>
-            </a:extLst>
           </p:spPr>
-        </p:pic>
+          <p:txBody>
+            <a:bodyPr wrap="square">
+              <a:spAutoFit/>
+            </a:bodyPr>
+            <a:lstStyle/>
+            <a:p>
+              <a:r>
+                <a:rPr lang="en-US" sz="1400" spc="-50" baseline="0" dirty="0">
+                  <a:latin typeface="Arial Unicode MS" panose="020B0604020202020204" pitchFamily="34" charset="-128"/>
+                  <a:ea typeface="Arial Unicode MS" panose="020B0604020202020204" pitchFamily="34" charset="-128"/>
+                  <a:cs typeface="Arial Unicode MS" panose="020B0604020202020204" pitchFamily="34" charset="-128"/>
+                </a:rPr>
+                <a:t>D</a:t>
+              </a:r>
+              <a:endParaRPr lang="en-US" sz="1400" dirty="0"/>
+            </a:p>
+          </p:txBody>
+        </p:sp>
+        <p:sp>
+          <p:nvSpPr>
+            <p:cNvPr id="19" name="TextBox 18">
+              <a:extLst>
+                <a:ext uri="{FF2B5EF4-FFF2-40B4-BE49-F238E27FC236}">
+                  <a16:creationId xmlns:a16="http://schemas.microsoft.com/office/drawing/2014/main" id="{166948DE-BE55-32BF-3755-41B53C339311}"/>
+                </a:ext>
+              </a:extLst>
+            </p:cNvPr>
+            <p:cNvSpPr txBox="1"/>
+            <p:nvPr userDrawn="1"/>
+          </p:nvSpPr>
+          <p:spPr>
+            <a:xfrm>
+              <a:off x="10686216" y="6361244"/>
+              <a:ext cx="247116" cy="307777"/>
+            </a:xfrm>
+            <a:prstGeom prst="rect">
+              <a:avLst/>
+            </a:prstGeom>
+            <a:noFill/>
+          </p:spPr>
+          <p:txBody>
+            <a:bodyPr wrap="square">
+              <a:spAutoFit/>
+            </a:bodyPr>
+            <a:lstStyle/>
+            <a:p>
+              <a:r>
+                <a:rPr lang="en-US" sz="1400" spc="-50" baseline="0" dirty="0">
+                  <a:latin typeface="Arial Unicode MS" panose="020B0604020202020204" pitchFamily="34" charset="-128"/>
+                  <a:ea typeface="Arial Unicode MS" panose="020B0604020202020204" pitchFamily="34" charset="-128"/>
+                  <a:cs typeface="Arial Unicode MS" panose="020B0604020202020204" pitchFamily="34" charset="-128"/>
+                </a:rPr>
+                <a:t>S</a:t>
+              </a:r>
+              <a:endParaRPr lang="en-US" sz="1400" dirty="0"/>
+            </a:p>
+          </p:txBody>
+        </p:sp>
+        <p:sp>
+          <p:nvSpPr>
+            <p:cNvPr id="20" name="TextBox 19">
+              <a:extLst>
+                <a:ext uri="{FF2B5EF4-FFF2-40B4-BE49-F238E27FC236}">
+                  <a16:creationId xmlns:a16="http://schemas.microsoft.com/office/drawing/2014/main" id="{220460B7-E159-6953-8B40-5396511A4476}"/>
+                </a:ext>
+              </a:extLst>
+            </p:cNvPr>
+            <p:cNvSpPr txBox="1"/>
+            <p:nvPr userDrawn="1"/>
+          </p:nvSpPr>
+          <p:spPr>
+            <a:xfrm>
+              <a:off x="10260092" y="6524088"/>
+              <a:ext cx="247116" cy="307777"/>
+            </a:xfrm>
+            <a:prstGeom prst="rect">
+              <a:avLst/>
+            </a:prstGeom>
+            <a:noFill/>
+          </p:spPr>
+          <p:txBody>
+            <a:bodyPr wrap="square">
+              <a:spAutoFit/>
+            </a:bodyPr>
+            <a:lstStyle/>
+            <a:p>
+              <a:r>
+                <a:rPr lang="en-US" sz="1400" spc="-50" baseline="0" dirty="0">
+                  <a:latin typeface="Arial Unicode MS" panose="020B0604020202020204" pitchFamily="34" charset="-128"/>
+                  <a:ea typeface="Arial Unicode MS" panose="020B0604020202020204" pitchFamily="34" charset="-128"/>
+                  <a:cs typeface="Arial Unicode MS" panose="020B0604020202020204" pitchFamily="34" charset="-128"/>
+                </a:rPr>
+                <a:t>A</a:t>
+              </a:r>
+              <a:endParaRPr lang="en-US" sz="1400" dirty="0"/>
+            </a:p>
+          </p:txBody>
+        </p:sp>
       </p:grpSp>
     </p:spTree>
     <p:extLst>
       <p:ext uri="{BB962C8B-B14F-4D97-AF65-F5344CB8AC3E}">
-        <p14:creationId xmlns:p14="http://schemas.microsoft.com/office/powerpoint/2010/main" val="2029020425"/>
+        <p14:creationId xmlns:p14="http://schemas.microsoft.com/office/powerpoint/2010/main" val="3129872037"/>
       </p:ext>
     </p:extLst>
   </p:cSld>
   <p:clrMap bg1="lt1" tx1="dk1" bg2="lt2" tx2="dk2" accent1="accent1" accent2="accent2" accent3="accent3" accent4="accent4" accent5="accent5" accent6="accent6" hlink="hlink" folHlink="folHlink"/>
   <p:sldLayoutIdLst>
-    <p:sldLayoutId id="2147483649" r:id="rId1"/>
-    <p:sldLayoutId id="2147483654" r:id="rId2"/>
-    <p:sldLayoutId id="2147483650" r:id="rId3"/>
-    <p:sldLayoutId id="2147483652" r:id="rId4"/>
-    <p:sldLayoutId id="2147483655" r:id="rId5"/>
+    <p:sldLayoutId id="2147483657" r:id="rId1"/>
+    <p:sldLayoutId id="2147483658" r:id="rId2"/>
+    <p:sldLayoutId id="2147483659" r:id="rId3"/>
+    <p:sldLayoutId id="2147483660" r:id="rId4"/>
+    <p:sldLayoutId id="2147483661" r:id="rId5"/>
   </p:sldLayoutIdLst>
   <p:txStyles>
     <p:titleStyle>
@@ -2857,7 +2939,7 @@
   <a:extraClrSchemeLst/>
   <a:extLst>
     <a:ext uri="{05A4C25C-085E-4340-85A3-A5531E510DB2}">
-      <thm15:themeFamily xmlns:thm15="http://schemas.microsoft.com/office/thememl/2012/main" name="Office Theme" id="{62F939B6-93AF-4DB8-9C6B-D6C7DFDC589F}" vid="{4A3C46E8-61CC-4603-A589-7422A47A8E4A}"/>
+      <thm15:themeFamily xmlns:thm15="http://schemas.microsoft.com/office/thememl/2012/main" name="M0_Introdution_Course" id="{64F76E85-CA42-0A46-B891-13D1F0CD406A}" vid="{6FF7656D-6217-624F-962B-BDC121BB58C5}"/>
     </a:ext>
   </a:extLst>
 </a:theme>
